--- a/solid ödevi 5.pptx
+++ b/solid ödevi 5.pptx
@@ -9703,10 +9703,9 @@
           <a:lstStyle/>
           <a:p>
             <a:r>
-              <a:rPr lang="tr-TR" sz="2000"/>
-              <a:t>https://github.com/157-INNOVA-JAVA-SPRING-BOOTCAMP/hafta-4-odevleri-MustafaBulu</a:t>
-            </a:r>
-            <a:endParaRPr lang="tr-TR" sz="2000" dirty="0"/>
+              <a:rPr lang="tr-TR" sz="2000" dirty="0"/>
+              <a:t>https://github.com/157-INNOVA-JAVA-SPRING-BOOTCAMP/hafta-4-odevleri-MustafaBulu/tree/master/src/main/java/com/mustafabulu/solid_principle</a:t>
+            </a:r>
           </a:p>
         </p:txBody>
       </p:sp>
